--- a/Chairs-Slides/IETF124-opsarea-chairs-slides.pptx
+++ b/Chairs-Slides/IETF124-opsarea-chairs-slides.pptx
@@ -314,16 +314,24 @@
   <pc:docChgLst>
     <pc:chgData name="BOUCADAIR Mohamed INNOV/NET" userId="2acbca90-6db1-4111-98c4-832797dda751" providerId="ADAL" clId="{4F93B282-C25B-41D9-9F46-D8A159C0F759}"/>
     <pc:docChg chg="custSel modSld">
-      <pc:chgData name="BOUCADAIR Mohamed INNOV/NET" userId="2acbca90-6db1-4111-98c4-832797dda751" providerId="ADAL" clId="{4F93B282-C25B-41D9-9F46-D8A159C0F759}" dt="2025-10-30T11:36:47.682" v="58" actId="20577"/>
+      <pc:chgData name="BOUCADAIR Mohamed INNOV/NET" userId="2acbca90-6db1-4111-98c4-832797dda751" providerId="ADAL" clId="{4F93B282-C25B-41D9-9F46-D8A159C0F759}" dt="2025-10-31T06:36:57.659" v="72" actId="1076"/>
       <pc:docMkLst>
         <pc:docMk/>
       </pc:docMkLst>
       <pc:sldChg chg="addSp delSp modSp mod">
-        <pc:chgData name="BOUCADAIR Mohamed INNOV/NET" userId="2acbca90-6db1-4111-98c4-832797dda751" providerId="ADAL" clId="{4F93B282-C25B-41D9-9F46-D8A159C0F759}" dt="2025-10-30T11:35:39.473" v="4" actId="1076"/>
+        <pc:chgData name="BOUCADAIR Mohamed INNOV/NET" userId="2acbca90-6db1-4111-98c4-832797dda751" providerId="ADAL" clId="{4F93B282-C25B-41D9-9F46-D8A159C0F759}" dt="2025-10-31T06:36:57.659" v="72" actId="1076"/>
         <pc:sldMkLst>
           <pc:docMk/>
           <pc:sldMk cId="4281018982" sldId="260"/>
         </pc:sldMkLst>
+        <pc:spChg chg="add del mod">
+          <ac:chgData name="BOUCADAIR Mohamed INNOV/NET" userId="2acbca90-6db1-4111-98c4-832797dda751" providerId="ADAL" clId="{4F93B282-C25B-41D9-9F46-D8A159C0F759}" dt="2025-10-31T06:36:10.010" v="64" actId="478"/>
+          <ac:spMkLst>
+            <pc:docMk/>
+            <pc:sldMk cId="4281018982" sldId="260"/>
+            <ac:spMk id="3" creationId="{E8B0F851-8F22-B5A0-317B-0EF4BCEEDEE2}"/>
+          </ac:spMkLst>
+        </pc:spChg>
         <pc:picChg chg="del">
           <ac:chgData name="BOUCADAIR Mohamed INNOV/NET" userId="2acbca90-6db1-4111-98c4-832797dda751" providerId="ADAL" clId="{4F93B282-C25B-41D9-9F46-D8A159C0F759}" dt="2025-10-30T10:52:44.978" v="0" actId="478"/>
           <ac:picMkLst>
@@ -332,12 +340,28 @@
             <ac:picMk id="5" creationId="{BB152636-97DF-10E2-4605-B83DBE98593D}"/>
           </ac:picMkLst>
         </pc:picChg>
-        <pc:picChg chg="add mod">
-          <ac:chgData name="BOUCADAIR Mohamed INNOV/NET" userId="2acbca90-6db1-4111-98c4-832797dda751" providerId="ADAL" clId="{4F93B282-C25B-41D9-9F46-D8A159C0F759}" dt="2025-10-30T11:35:39.473" v="4" actId="1076"/>
+        <pc:picChg chg="add del mod">
+          <ac:chgData name="BOUCADAIR Mohamed INNOV/NET" userId="2acbca90-6db1-4111-98c4-832797dda751" providerId="ADAL" clId="{4F93B282-C25B-41D9-9F46-D8A159C0F759}" dt="2025-10-31T06:36:11.640" v="65" actId="478"/>
           <ac:picMkLst>
             <pc:docMk/>
             <pc:sldMk cId="4281018982" sldId="260"/>
             <ac:picMk id="6" creationId="{C4AB26A4-272A-B2D7-B3E1-E8F018C000C0}"/>
+          </ac:picMkLst>
+        </pc:picChg>
+        <pc:picChg chg="add del mod">
+          <ac:chgData name="BOUCADAIR Mohamed INNOV/NET" userId="2acbca90-6db1-4111-98c4-832797dda751" providerId="ADAL" clId="{4F93B282-C25B-41D9-9F46-D8A159C0F759}" dt="2025-10-31T06:36:51.601" v="69" actId="478"/>
+          <ac:picMkLst>
+            <pc:docMk/>
+            <pc:sldMk cId="4281018982" sldId="260"/>
+            <ac:picMk id="7" creationId="{B52DABD1-2F6D-D5AE-347F-9A5F1C8DBFCE}"/>
+          </ac:picMkLst>
+        </pc:picChg>
+        <pc:picChg chg="add mod">
+          <ac:chgData name="BOUCADAIR Mohamed INNOV/NET" userId="2acbca90-6db1-4111-98c4-832797dda751" providerId="ADAL" clId="{4F93B282-C25B-41D9-9F46-D8A159C0F759}" dt="2025-10-31T06:36:57.659" v="72" actId="1076"/>
+          <ac:picMkLst>
+            <pc:docMk/>
+            <pc:sldMk cId="4281018982" sldId="260"/>
+            <ac:picMk id="9" creationId="{BF23ED9A-F99A-6221-7FD3-BD6A411D3A73}"/>
           </ac:picMkLst>
         </pc:picChg>
       </pc:sldChg>
@@ -18757,7 +18781,7 @@
         <p:fade/>
       </p:transition>
     </mc:Choice>
-    <mc:Fallback xmlns="" xmlns:mv="urn:schemas-microsoft-com:mac:vml" xmlns:c="http://schemas.openxmlformats.org/drawingml/2006/chart" xmlns:dgm="http://schemas.openxmlformats.org/drawingml/2006/diagram" xmlns:o="urn:schemas-microsoft-com:office:office" xmlns:v="urn:schemas-microsoft-com:vml" xmlns:pvml="urn:schemas-microsoft-com:office:powerpoint" xmlns:com="http://schemas.openxmlformats.org/drawingml/2006/compatibility" xmlns:p15="http://schemas.microsoft.com/office/powerpoint/2012/main" xmlns:ahyp="http://schemas.microsoft.com/office/drawing/2018/hyperlinkcolor">
+    <mc:Fallback xmlns:ahyp="http://schemas.microsoft.com/office/drawing/2018/hyperlinkcolor" xmlns:p15="http://schemas.microsoft.com/office/powerpoint/2012/main" xmlns:com="http://schemas.openxmlformats.org/drawingml/2006/compatibility" xmlns:pvml="urn:schemas-microsoft-com:office:powerpoint" xmlns:v="urn:schemas-microsoft-com:vml" xmlns:o="urn:schemas-microsoft-com:office:office" xmlns:dgm="http://schemas.openxmlformats.org/drawingml/2006/diagram" xmlns:c="http://schemas.openxmlformats.org/drawingml/2006/chart" xmlns:mv="urn:schemas-microsoft-com:mac:vml" xmlns="">
       <p:transition spd="slow">
         <p:fade/>
       </p:transition>
@@ -19416,10 +19440,10 @@
       </p:sp>
       <p:pic>
         <p:nvPicPr>
-          <p:cNvPr id="6" name="Image 5">
+          <p:cNvPr id="9" name="Image 8">
             <a:extLst>
               <a:ext uri="{FF2B5EF4-FFF2-40B4-BE49-F238E27FC236}">
-                <a16:creationId xmlns:a16="http://schemas.microsoft.com/office/drawing/2014/main" id="{C4AB26A4-272A-B2D7-B3E1-E8F018C000C0}"/>
+                <a16:creationId xmlns:a16="http://schemas.microsoft.com/office/drawing/2014/main" id="{BF23ED9A-F99A-6221-7FD3-BD6A411D3A73}"/>
               </a:ext>
             </a:extLst>
           </p:cNvPr>
@@ -19436,8 +19460,8 @@
         </p:blipFill>
         <p:spPr>
           <a:xfrm>
-            <a:off x="1266913" y="1797990"/>
-            <a:ext cx="6610174" cy="3094433"/>
+            <a:off x="1100726" y="1877546"/>
+            <a:ext cx="7070351" cy="3014877"/>
           </a:xfrm>
           <a:prstGeom prst="rect">
             <a:avLst/>
